--- a/vault-consul/delivery/06__Consul.pptx
+++ b/vault-consul/delivery/06__Consul.pptx
@@ -5614,7 +5614,7 @@
         </p:blipFill>
         <p:spPr>
           <a:xfrm>
-            <a:off x="704088" y="914400"/>
+            <a:off x="796798" y="2172970"/>
             <a:ext cx="7507224" cy="4471871"/>
           </a:xfrm>
           <a:prstGeom prst="rect">
@@ -5745,8 +5745,8 @@
         </p:blipFill>
         <p:spPr>
           <a:xfrm>
-            <a:off x="704088" y="914400"/>
-            <a:ext cx="7507224" cy="4928903"/>
+            <a:off x="807085" y="1356360"/>
+            <a:ext cx="8069580" cy="5298440"/>
           </a:xfrm>
           <a:prstGeom prst="rect">
             <a:avLst/>
@@ -6376,8 +6376,8 @@
         </p:blipFill>
         <p:spPr>
           <a:xfrm>
-            <a:off x="704088" y="914400"/>
-            <a:ext cx="7507224" cy="3127161"/>
+            <a:off x="704850" y="1922145"/>
+            <a:ext cx="7938770" cy="3307080"/>
           </a:xfrm>
           <a:prstGeom prst="rect">
             <a:avLst/>
@@ -12505,8 +12505,8 @@
         </p:blipFill>
         <p:spPr>
           <a:xfrm>
-            <a:off x="704088" y="914400"/>
-            <a:ext cx="10299700" cy="5448300"/>
+            <a:off x="234950" y="1427480"/>
+            <a:ext cx="9054465" cy="4789805"/>
           </a:xfrm>
           <a:prstGeom prst="rect">
             <a:avLst/>
@@ -12633,8 +12633,8 @@
         </p:blipFill>
         <p:spPr>
           <a:xfrm>
-            <a:off x="704088" y="914400"/>
-            <a:ext cx="10274300" cy="6299200"/>
+            <a:off x="234950" y="1553845"/>
+            <a:ext cx="9012555" cy="5525770"/>
           </a:xfrm>
           <a:prstGeom prst="rect">
             <a:avLst/>
@@ -12761,8 +12761,8 @@
         </p:blipFill>
         <p:spPr>
           <a:xfrm>
-            <a:off x="704088" y="914400"/>
-            <a:ext cx="10553700" cy="6362700"/>
+            <a:off x="116840" y="1654175"/>
+            <a:ext cx="9138920" cy="5509895"/>
           </a:xfrm>
           <a:prstGeom prst="rect">
             <a:avLst/>
@@ -12890,8 +12890,8 @@
         </p:blipFill>
         <p:spPr>
           <a:xfrm>
-            <a:off x="704088" y="914400"/>
-            <a:ext cx="7915275" cy="5248275"/>
+            <a:off x="323215" y="1377315"/>
+            <a:ext cx="8582660" cy="5690870"/>
           </a:xfrm>
           <a:prstGeom prst="rect">
             <a:avLst/>
